--- a/评审PPT/SE2019春-G11-总体设计/SE2019春-G11-软件总体设计(SDP+SSDD)PPT.pptx
+++ b/评审PPT/SE2019春-G11-总体设计/SE2019春-G11-软件总体设计(SDP+SSDD)PPT.pptx
@@ -4248,7 +4248,7 @@
           </a:ln>
           <a:extLst>
             <a:ext uri="{C572A759-6A51-4108-AA02-DFA0A04FC94B}">
-              <ma14:wrappingTextBoxFlag xmlns:ma14="http://schemas.microsoft.com/office/mac/drawingml/2011/main" xmlns="" val="1"/>
+              <ma14:wrappingTextBoxFlag xmlns="" xmlns:ma14="http://schemas.microsoft.com/office/mac/drawingml/2011/main" val="1"/>
             </a:ext>
           </a:extLst>
         </p:spPr>
@@ -4287,7 +4287,7 @@
           </a:ln>
           <a:extLst>
             <a:ext uri="{C572A759-6A51-4108-AA02-DFA0A04FC94B}">
-              <ma14:wrappingTextBoxFlag xmlns:ma14="http://schemas.microsoft.com/office/mac/drawingml/2011/main" xmlns="" val="1"/>
+              <ma14:wrappingTextBoxFlag xmlns="" xmlns:ma14="http://schemas.microsoft.com/office/mac/drawingml/2011/main" val="1"/>
             </a:ext>
           </a:extLst>
         </p:spPr>
@@ -5263,7 +5263,7 @@
           </a:ln>
           <a:extLst>
             <a:ext uri="{C572A759-6A51-4108-AA02-DFA0A04FC94B}">
-              <ma14:wrappingTextBoxFlag xmlns:ma14="http://schemas.microsoft.com/office/mac/drawingml/2011/main" xmlns="" val="1"/>
+              <ma14:wrappingTextBoxFlag xmlns="" xmlns:ma14="http://schemas.microsoft.com/office/mac/drawingml/2011/main" val="1"/>
             </a:ext>
           </a:extLst>
         </p:spPr>
@@ -5431,7 +5431,7 @@
           </a:ln>
           <a:extLst>
             <a:ext uri="{C572A759-6A51-4108-AA02-DFA0A04FC94B}">
-              <ma14:wrappingTextBoxFlag xmlns:ma14="http://schemas.microsoft.com/office/mac/drawingml/2011/main" xmlns="" val="1"/>
+              <ma14:wrappingTextBoxFlag xmlns="" xmlns:ma14="http://schemas.microsoft.com/office/mac/drawingml/2011/main" val="1"/>
             </a:ext>
           </a:extLst>
         </p:spPr>
@@ -5530,7 +5530,7 @@
           </a:ln>
           <a:extLst>
             <a:ext uri="{C572A759-6A51-4108-AA02-DFA0A04FC94B}">
-              <ma14:wrappingTextBoxFlag xmlns:ma14="http://schemas.microsoft.com/office/mac/drawingml/2011/main" xmlns="" val="1"/>
+              <ma14:wrappingTextBoxFlag xmlns="" xmlns:ma14="http://schemas.microsoft.com/office/mac/drawingml/2011/main" val="1"/>
             </a:ext>
           </a:extLst>
         </p:spPr>
@@ -5585,7 +5585,7 @@
           </a:ln>
           <a:extLst>
             <a:ext uri="{C572A759-6A51-4108-AA02-DFA0A04FC94B}">
-              <ma14:wrappingTextBoxFlag xmlns:ma14="http://schemas.microsoft.com/office/mac/drawingml/2011/main" xmlns="" val="1"/>
+              <ma14:wrappingTextBoxFlag xmlns="" xmlns:ma14="http://schemas.microsoft.com/office/mac/drawingml/2011/main" val="1"/>
             </a:ext>
           </a:extLst>
         </p:spPr>
@@ -5639,7 +5639,7 @@
           </a:ln>
           <a:extLst>
             <a:ext uri="{C572A759-6A51-4108-AA02-DFA0A04FC94B}">
-              <ma14:wrappingTextBoxFlag xmlns:ma14="http://schemas.microsoft.com/office/mac/drawingml/2011/main" xmlns="" val="1"/>
+              <ma14:wrappingTextBoxFlag xmlns="" xmlns:ma14="http://schemas.microsoft.com/office/mac/drawingml/2011/main" val="1"/>
             </a:ext>
           </a:extLst>
         </p:spPr>
@@ -6378,7 +6378,7 @@
           </a:ln>
           <a:extLst>
             <a:ext uri="{C572A759-6A51-4108-AA02-DFA0A04FC94B}">
-              <ma14:wrappingTextBoxFlag xmlns:ma14="http://schemas.microsoft.com/office/mac/drawingml/2011/main" xmlns="" val="1"/>
+              <ma14:wrappingTextBoxFlag xmlns="" xmlns:ma14="http://schemas.microsoft.com/office/mac/drawingml/2011/main" val="1"/>
             </a:ext>
           </a:extLst>
         </p:spPr>
@@ -7826,7 +7826,7 @@
           </a:ln>
           <a:extLst>
             <a:ext uri="{C572A759-6A51-4108-AA02-DFA0A04FC94B}">
-              <ma14:wrappingTextBoxFlag xmlns:ma14="http://schemas.microsoft.com/office/mac/drawingml/2011/main" xmlns="" val="1"/>
+              <ma14:wrappingTextBoxFlag xmlns="" xmlns:ma14="http://schemas.microsoft.com/office/mac/drawingml/2011/main" val="1"/>
             </a:ext>
           </a:extLst>
         </p:spPr>
@@ -8759,7 +8759,7 @@
           </a:ln>
           <a:extLst>
             <a:ext uri="{C572A759-6A51-4108-AA02-DFA0A04FC94B}">
-              <ma14:wrappingTextBoxFlag xmlns:ma14="http://schemas.microsoft.com/office/mac/drawingml/2011/main" xmlns="" val="1"/>
+              <ma14:wrappingTextBoxFlag xmlns="" xmlns:ma14="http://schemas.microsoft.com/office/mac/drawingml/2011/main" val="1"/>
             </a:ext>
           </a:extLst>
         </p:spPr>
@@ -8808,7 +8808,7 @@
           </a:ln>
           <a:extLst>
             <a:ext uri="{C572A759-6A51-4108-AA02-DFA0A04FC94B}">
-              <ma14:wrappingTextBoxFlag xmlns:ma14="http://schemas.microsoft.com/office/mac/drawingml/2011/main" xmlns="" val="1"/>
+              <ma14:wrappingTextBoxFlag xmlns="" xmlns:ma14="http://schemas.microsoft.com/office/mac/drawingml/2011/main" val="1"/>
             </a:ext>
           </a:extLst>
         </p:spPr>
@@ -9338,7 +9338,7 @@
           </a:ln>
           <a:extLst>
             <a:ext uri="{C572A759-6A51-4108-AA02-DFA0A04FC94B}">
-              <ma14:wrappingTextBoxFlag xmlns:ma14="http://schemas.microsoft.com/office/mac/drawingml/2011/main" xmlns="" val="1"/>
+              <ma14:wrappingTextBoxFlag xmlns="" xmlns:ma14="http://schemas.microsoft.com/office/mac/drawingml/2011/main" val="1"/>
             </a:ext>
           </a:extLst>
         </p:spPr>
@@ -9462,7 +9462,7 @@
           <a:graphicData uri="http://schemas.openxmlformats.org/presentationml/2006/ole">
             <mc:AlternateContent xmlns:mc="http://schemas.openxmlformats.org/markup-compatibility/2006">
               <mc:Choice xmlns:v="urn:schemas-microsoft-com:vml" Requires="v">
-                <p:oleObj spid="_x0000_s16390" r:id="rId4" imgW="6648514" imgH="2190886" progId="Visio.Drawing.15">
+                <p:oleObj spid="_x0000_s16402" r:id="rId4" imgW="6648514" imgH="2190886" progId="Visio.Drawing.15">
                   <p:embed/>
                 </p:oleObj>
               </mc:Choice>
@@ -9930,7 +9930,7 @@
           </a:ln>
           <a:extLst>
             <a:ext uri="{C572A759-6A51-4108-AA02-DFA0A04FC94B}">
-              <ma14:wrappingTextBoxFlag xmlns:ma14="http://schemas.microsoft.com/office/mac/drawingml/2011/main" xmlns="" val="1"/>
+              <ma14:wrappingTextBoxFlag xmlns="" xmlns:ma14="http://schemas.microsoft.com/office/mac/drawingml/2011/main" val="1"/>
             </a:ext>
           </a:extLst>
         </p:spPr>
@@ -9970,8 +9970,8 @@
               <a:defRPr/>
             </a:pPr>
             <a:r>
-              <a:rPr lang="zh-CN" altLang="en-US" noProof="0" dirty="0"/>
-              <a:t>系统流程图</a:t>
+              <a:rPr lang="zh-CN" altLang="en-US" noProof="0" dirty="0" smtClean="0"/>
+              <a:t>业务流图</a:t>
             </a:r>
             <a:endParaRPr kumimoji="0" sz="3600" b="1" i="0" u="none" strike="noStrike" kern="0" cap="none" spc="0" normalizeH="0" baseline="0" noProof="0" dirty="0">
               <a:ln>
@@ -10028,78 +10028,53 @@
       </p:pic>
       <p:graphicFrame>
         <p:nvGraphicFramePr>
-          <p:cNvPr id="6" name="对象 5">
-            <a:extLst>
-              <a:ext uri="{FF2B5EF4-FFF2-40B4-BE49-F238E27FC236}">
-                <a16:creationId xmlns:a16="http://schemas.microsoft.com/office/drawing/2014/main" id="{85678C5A-30DD-426C-80FC-86FD2E31DC7D}"/>
-              </a:ext>
-            </a:extLst>
-          </p:cNvPr>
+          <p:cNvPr id="5" name="对象 4"/>
           <p:cNvGraphicFramePr>
             <a:graphicFrameLocks noChangeAspect="1"/>
           </p:cNvGraphicFramePr>
           <p:nvPr>
             <p:extLst>
               <p:ext uri="{D42A27DB-BD31-4B8C-83A1-F6EECF244321}">
-                <p14:modId xmlns:p14="http://schemas.microsoft.com/office/powerpoint/2010/main" val="1947473638"/>
+                <p14:modId xmlns:p14="http://schemas.microsoft.com/office/powerpoint/2010/main" val="347001572"/>
               </p:ext>
             </p:extLst>
           </p:nvPr>
         </p:nvGraphicFramePr>
         <p:xfrm>
-          <a:off x="5223385" y="884237"/>
-          <a:ext cx="3094038" cy="5973763"/>
+          <a:off x="701608" y="1349230"/>
+          <a:ext cx="10590575" cy="4428115"/>
         </p:xfrm>
         <a:graphic>
           <a:graphicData uri="http://schemas.openxmlformats.org/presentationml/2006/ole">
             <mc:AlternateContent xmlns:mc="http://schemas.openxmlformats.org/markup-compatibility/2006">
               <mc:Choice xmlns:v="urn:schemas-microsoft-com:vml" Requires="v">
-                <p:oleObj spid="_x0000_s18438" r:id="rId4" imgW="3095708" imgH="5972175" progId="Visio.Drawing.15">
-                  <p:embed/>
+                <p:oleObj spid="_x0000_s18450" name="Visio" r:id="rId4" imgW="8200853" imgH="3429000" progId="Visio.Drawing.15">
+                  <p:link updateAutomatic="1"/>
                 </p:oleObj>
               </mc:Choice>
               <mc:Fallback>
-                <p:oleObj r:id="rId4" imgW="3095708" imgH="5972175" progId="Visio.Drawing.15">
-                  <p:embed/>
+                <p:oleObj name="Visio" r:id="rId4" imgW="8200853" imgH="3429000" progId="Visio.Drawing.15">
+                  <p:link updateAutomatic="1"/>
                   <p:pic>
                     <p:nvPicPr>
-                      <p:cNvPr id="0" name="Object 1"/>
-                      <p:cNvPicPr>
-                        <a:picLocks noChangeAspect="1" noChangeArrowheads="1"/>
-                      </p:cNvPicPr>
+                      <p:cNvPr id="0" name=""/>
+                      <p:cNvPicPr/>
                       <p:nvPr/>
                     </p:nvPicPr>
                     <p:blipFill>
-                      <a:blip r:embed="rId5">
-                        <a:extLst>
-                          <a:ext uri="{28A0092B-C50C-407E-A947-70E740481C1C}">
-                            <a14:useLocalDpi xmlns:a14="http://schemas.microsoft.com/office/drawing/2010/main" val="0"/>
-                          </a:ext>
-                        </a:extLst>
-                      </a:blip>
-                      <a:srcRect/>
+                      <a:blip r:embed="rId5"/>
                       <a:stretch>
                         <a:fillRect/>
                       </a:stretch>
                     </p:blipFill>
-                    <p:spPr bwMode="auto">
+                    <p:spPr>
                       <a:xfrm>
-                        <a:off x="5223385" y="884237"/>
-                        <a:ext cx="3094038" cy="5973763"/>
+                        <a:off x="701608" y="1349230"/>
+                        <a:ext cx="10590575" cy="4428115"/>
                       </a:xfrm>
                       <a:prstGeom prst="rect">
                         <a:avLst/>
                       </a:prstGeom>
-                      <a:noFill/>
-                      <a:extLst>
-                        <a:ext uri="{909E8E84-426E-40DD-AFC4-6F175D3DCCD1}">
-                          <a14:hiddenFill xmlns:a14="http://schemas.microsoft.com/office/drawing/2010/main">
-                            <a:solidFill>
-                              <a:srgbClr val="FFFFFF"/>
-                            </a:solidFill>
-                          </a14:hiddenFill>
-                        </a:ext>
-                      </a:extLst>
                     </p:spPr>
                   </p:pic>
                 </p:oleObj>
@@ -10425,7 +10400,7 @@
           </a:ln>
           <a:extLst>
             <a:ext uri="{C572A759-6A51-4108-AA02-DFA0A04FC94B}">
-              <ma14:wrappingTextBoxFlag xmlns:ma14="http://schemas.microsoft.com/office/mac/drawingml/2011/main" xmlns="" val="1"/>
+              <ma14:wrappingTextBoxFlag xmlns="" xmlns:ma14="http://schemas.microsoft.com/office/mac/drawingml/2011/main" val="1"/>
             </a:ext>
           </a:extLst>
         </p:spPr>
@@ -11016,7 +10991,7 @@
           </a:ln>
           <a:extLst>
             <a:ext uri="{C572A759-6A51-4108-AA02-DFA0A04FC94B}">
-              <ma14:wrappingTextBoxFlag xmlns:ma14="http://schemas.microsoft.com/office/mac/drawingml/2011/main" xmlns="" val="1"/>
+              <ma14:wrappingTextBoxFlag xmlns="" xmlns:ma14="http://schemas.microsoft.com/office/mac/drawingml/2011/main" val="1"/>
             </a:ext>
           </a:extLst>
         </p:spPr>
@@ -11505,7 +11480,7 @@
           </a:ln>
           <a:extLst>
             <a:ext uri="{C572A759-6A51-4108-AA02-DFA0A04FC94B}">
-              <ma14:wrappingTextBoxFlag xmlns:ma14="http://schemas.microsoft.com/office/mac/drawingml/2011/main" xmlns="" val="1"/>
+              <ma14:wrappingTextBoxFlag xmlns="" xmlns:ma14="http://schemas.microsoft.com/office/mac/drawingml/2011/main" val="1"/>
             </a:ext>
           </a:extLst>
         </p:spPr>
@@ -12226,7 +12201,7 @@
           </a:ln>
           <a:extLst>
             <a:ext uri="{C572A759-6A51-4108-AA02-DFA0A04FC94B}">
-              <ma14:wrappingTextBoxFlag xmlns:ma14="http://schemas.microsoft.com/office/mac/drawingml/2011/main" xmlns="" val="1"/>
+              <ma14:wrappingTextBoxFlag xmlns="" xmlns:ma14="http://schemas.microsoft.com/office/mac/drawingml/2011/main" val="1"/>
             </a:ext>
           </a:extLst>
         </p:spPr>
@@ -12368,7 +12343,7 @@
           </a:ln>
           <a:extLst>
             <a:ext uri="{C572A759-6A51-4108-AA02-DFA0A04FC94B}">
-              <ma14:wrappingTextBoxFlag xmlns:ma14="http://schemas.microsoft.com/office/mac/drawingml/2011/main" xmlns="" val="1"/>
+              <ma14:wrappingTextBoxFlag xmlns="" xmlns:ma14="http://schemas.microsoft.com/office/mac/drawingml/2011/main" val="1"/>
             </a:ext>
           </a:extLst>
         </p:spPr>
@@ -12704,7 +12679,7 @@
         <p15:prstTrans prst="pageCurlDouble"/>
       </p:transition>
     </mc:Choice>
-    <mc:Choice xmlns:p14="http://schemas.microsoft.com/office/powerpoint/2010/main" xmlns="" Requires="p14">
+    <mc:Choice xmlns="" xmlns:p14="http://schemas.microsoft.com/office/powerpoint/2010/main" Requires="p14">
       <p:transition spd="slow" advClick="0" advTm="9000" p14:dur="1200">
         <p14:prism dir="l"/>
       </p:transition>
@@ -13385,7 +13360,7 @@
           </a:ln>
           <a:extLst>
             <a:ext uri="{C572A759-6A51-4108-AA02-DFA0A04FC94B}">
-              <ma14:wrappingTextBoxFlag xmlns:ma14="http://schemas.microsoft.com/office/mac/drawingml/2011/main" xmlns="" val="1"/>
+              <ma14:wrappingTextBoxFlag xmlns="" xmlns:ma14="http://schemas.microsoft.com/office/mac/drawingml/2011/main" val="1"/>
             </a:ext>
           </a:extLst>
         </p:spPr>
@@ -13434,7 +13409,7 @@
           </a:ln>
           <a:extLst>
             <a:ext uri="{C572A759-6A51-4108-AA02-DFA0A04FC94B}">
-              <ma14:wrappingTextBoxFlag xmlns:ma14="http://schemas.microsoft.com/office/mac/drawingml/2011/main" xmlns="" val="1"/>
+              <ma14:wrappingTextBoxFlag xmlns="" xmlns:ma14="http://schemas.microsoft.com/office/mac/drawingml/2011/main" val="1"/>
             </a:ext>
           </a:extLst>
         </p:spPr>
@@ -13981,7 +13956,7 @@
           </a:ln>
           <a:extLst>
             <a:ext uri="{C572A759-6A51-4108-AA02-DFA0A04FC94B}">
-              <ma14:wrappingTextBoxFlag xmlns:ma14="http://schemas.microsoft.com/office/mac/drawingml/2011/main" xmlns="" val="1"/>
+              <ma14:wrappingTextBoxFlag xmlns="" xmlns:ma14="http://schemas.microsoft.com/office/mac/drawingml/2011/main" val="1"/>
             </a:ext>
           </a:extLst>
         </p:spPr>
@@ -14030,7 +14005,7 @@
           </a:ln>
           <a:extLst>
             <a:ext uri="{C572A759-6A51-4108-AA02-DFA0A04FC94B}">
-              <ma14:wrappingTextBoxFlag xmlns:ma14="http://schemas.microsoft.com/office/mac/drawingml/2011/main" xmlns="" val="1"/>
+              <ma14:wrappingTextBoxFlag xmlns="" xmlns:ma14="http://schemas.microsoft.com/office/mac/drawingml/2011/main" val="1"/>
             </a:ext>
           </a:extLst>
         </p:spPr>
@@ -14109,7 +14084,7 @@
           </a:ln>
           <a:extLst>
             <a:ext uri="{C572A759-6A51-4108-AA02-DFA0A04FC94B}">
-              <ma14:wrappingTextBoxFlag xmlns:ma14="http://schemas.microsoft.com/office/mac/drawingml/2011/main" xmlns="" val="1"/>
+              <ma14:wrappingTextBoxFlag xmlns="" xmlns:ma14="http://schemas.microsoft.com/office/mac/drawingml/2011/main" val="1"/>
             </a:ext>
           </a:extLst>
         </p:spPr>
@@ -14158,7 +14133,7 @@
           </a:ln>
           <a:extLst>
             <a:ext uri="{C572A759-6A51-4108-AA02-DFA0A04FC94B}">
-              <ma14:wrappingTextBoxFlag xmlns:ma14="http://schemas.microsoft.com/office/mac/drawingml/2011/main" xmlns="" val="1"/>
+              <ma14:wrappingTextBoxFlag xmlns="" xmlns:ma14="http://schemas.microsoft.com/office/mac/drawingml/2011/main" val="1"/>
             </a:ext>
           </a:extLst>
         </p:spPr>
@@ -14206,7 +14181,7 @@
           </a:ln>
           <a:extLst>
             <a:ext uri="{C572A759-6A51-4108-AA02-DFA0A04FC94B}">
-              <ma14:wrappingTextBoxFlag xmlns:ma14="http://schemas.microsoft.com/office/mac/drawingml/2011/main" xmlns="" val="1"/>
+              <ma14:wrappingTextBoxFlag xmlns="" xmlns:ma14="http://schemas.microsoft.com/office/mac/drawingml/2011/main" val="1"/>
             </a:ext>
           </a:extLst>
         </p:spPr>
@@ -14254,7 +14229,7 @@
           </a:ln>
           <a:extLst>
             <a:ext uri="{C572A759-6A51-4108-AA02-DFA0A04FC94B}">
-              <ma14:wrappingTextBoxFlag xmlns:ma14="http://schemas.microsoft.com/office/mac/drawingml/2011/main" xmlns="" val="1"/>
+              <ma14:wrappingTextBoxFlag xmlns="" xmlns:ma14="http://schemas.microsoft.com/office/mac/drawingml/2011/main" val="1"/>
             </a:ext>
           </a:extLst>
         </p:spPr>
@@ -14303,7 +14278,7 @@
           </a:ln>
           <a:extLst>
             <a:ext uri="{C572A759-6A51-4108-AA02-DFA0A04FC94B}">
-              <ma14:wrappingTextBoxFlag xmlns:ma14="http://schemas.microsoft.com/office/mac/drawingml/2011/main" xmlns="" val="1"/>
+              <ma14:wrappingTextBoxFlag xmlns="" xmlns:ma14="http://schemas.microsoft.com/office/mac/drawingml/2011/main" val="1"/>
             </a:ext>
           </a:extLst>
         </p:spPr>
@@ -14394,7 +14369,7 @@
           </a:ln>
           <a:extLst>
             <a:ext uri="{C572A759-6A51-4108-AA02-DFA0A04FC94B}">
-              <ma14:wrappingTextBoxFlag xmlns:ma14="http://schemas.microsoft.com/office/mac/drawingml/2011/main" xmlns="" val="1"/>
+              <ma14:wrappingTextBoxFlag xmlns="" xmlns:ma14="http://schemas.microsoft.com/office/mac/drawingml/2011/main" val="1"/>
             </a:ext>
           </a:extLst>
         </p:spPr>
@@ -14483,7 +14458,7 @@
           </a:ln>
           <a:extLst>
             <a:ext uri="{C572A759-6A51-4108-AA02-DFA0A04FC94B}">
-              <ma14:wrappingTextBoxFlag xmlns:ma14="http://schemas.microsoft.com/office/mac/drawingml/2011/main" xmlns="" val="1"/>
+              <ma14:wrappingTextBoxFlag xmlns="" xmlns:ma14="http://schemas.microsoft.com/office/mac/drawingml/2011/main" val="1"/>
             </a:ext>
           </a:extLst>
         </p:spPr>
@@ -14538,7 +14513,7 @@
           </a:ln>
           <a:extLst>
             <a:ext uri="{C572A759-6A51-4108-AA02-DFA0A04FC94B}">
-              <ma14:wrappingTextBoxFlag xmlns:ma14="http://schemas.microsoft.com/office/mac/drawingml/2011/main" xmlns="" val="1"/>
+              <ma14:wrappingTextBoxFlag xmlns="" xmlns:ma14="http://schemas.microsoft.com/office/mac/drawingml/2011/main" val="1"/>
             </a:ext>
           </a:extLst>
         </p:spPr>
@@ -14592,7 +14567,7 @@
           </a:ln>
           <a:extLst>
             <a:ext uri="{C572A759-6A51-4108-AA02-DFA0A04FC94B}">
-              <ma14:wrappingTextBoxFlag xmlns:ma14="http://schemas.microsoft.com/office/mac/drawingml/2011/main" xmlns="" val="1"/>
+              <ma14:wrappingTextBoxFlag xmlns="" xmlns:ma14="http://schemas.microsoft.com/office/mac/drawingml/2011/main" val="1"/>
             </a:ext>
           </a:extLst>
         </p:spPr>
@@ -15761,7 +15736,7 @@
           </a:ln>
           <a:extLst>
             <a:ext uri="{C572A759-6A51-4108-AA02-DFA0A04FC94B}">
-              <ma14:wrappingTextBoxFlag xmlns:ma14="http://schemas.microsoft.com/office/mac/drawingml/2011/main" xmlns="" val="1"/>
+              <ma14:wrappingTextBoxFlag xmlns="" xmlns:ma14="http://schemas.microsoft.com/office/mac/drawingml/2011/main" val="1"/>
             </a:ext>
           </a:extLst>
         </p:spPr>
@@ -16626,7 +16601,7 @@
           </a:ln>
           <a:extLst>
             <a:ext uri="{C572A759-6A51-4108-AA02-DFA0A04FC94B}">
-              <ma14:wrappingTextBoxFlag xmlns:ma14="http://schemas.microsoft.com/office/mac/drawingml/2011/main" xmlns="" val="1"/>
+              <ma14:wrappingTextBoxFlag xmlns="" xmlns:ma14="http://schemas.microsoft.com/office/mac/drawingml/2011/main" val="1"/>
             </a:ext>
           </a:extLst>
         </p:spPr>
@@ -16675,7 +16650,7 @@
           </a:ln>
           <a:extLst>
             <a:ext uri="{C572A759-6A51-4108-AA02-DFA0A04FC94B}">
-              <ma14:wrappingTextBoxFlag xmlns:ma14="http://schemas.microsoft.com/office/mac/drawingml/2011/main" xmlns="" val="1"/>
+              <ma14:wrappingTextBoxFlag xmlns="" xmlns:ma14="http://schemas.microsoft.com/office/mac/drawingml/2011/main" val="1"/>
             </a:ext>
           </a:extLst>
         </p:spPr>
@@ -17265,7 +17240,7 @@
           </a:ln>
           <a:extLst>
             <a:ext uri="{C572A759-6A51-4108-AA02-DFA0A04FC94B}">
-              <ma14:wrappingTextBoxFlag xmlns:ma14="http://schemas.microsoft.com/office/mac/drawingml/2011/main" xmlns="" val="1"/>
+              <ma14:wrappingTextBoxFlag xmlns="" xmlns:ma14="http://schemas.microsoft.com/office/mac/drawingml/2011/main" val="1"/>
             </a:ext>
           </a:extLst>
         </p:spPr>
@@ -17316,7 +17291,7 @@
           </a:ln>
           <a:extLst>
             <a:ext uri="{C572A759-6A51-4108-AA02-DFA0A04FC94B}">
-              <ma14:wrappingTextBoxFlag xmlns:ma14="http://schemas.microsoft.com/office/mac/drawingml/2011/main" xmlns="" val="1"/>
+              <ma14:wrappingTextBoxFlag xmlns="" xmlns:ma14="http://schemas.microsoft.com/office/mac/drawingml/2011/main" val="1"/>
             </a:ext>
           </a:extLst>
         </p:spPr>
@@ -18017,7 +17992,7 @@
           </a:ln>
           <a:extLst>
             <a:ext uri="{C572A759-6A51-4108-AA02-DFA0A04FC94B}">
-              <ma14:wrappingTextBoxFlag xmlns:ma14="http://schemas.microsoft.com/office/mac/drawingml/2011/main" xmlns="" val="1"/>
+              <ma14:wrappingTextBoxFlag xmlns="" xmlns:ma14="http://schemas.microsoft.com/office/mac/drawingml/2011/main" val="1"/>
             </a:ext>
           </a:extLst>
         </p:spPr>
@@ -18066,7 +18041,7 @@
           </a:ln>
           <a:extLst>
             <a:ext uri="{C572A759-6A51-4108-AA02-DFA0A04FC94B}">
-              <ma14:wrappingTextBoxFlag xmlns:ma14="http://schemas.microsoft.com/office/mac/drawingml/2011/main" xmlns="" val="1"/>
+              <ma14:wrappingTextBoxFlag xmlns="" xmlns:ma14="http://schemas.microsoft.com/office/mac/drawingml/2011/main" val="1"/>
             </a:ext>
           </a:extLst>
         </p:spPr>
@@ -18642,9 +18617,10 @@
           <a:p>
             <a:pPr algn="ctr"/>
             <a:r>
-              <a:rPr lang="en-US" altLang="zh-CN" dirty="0"/>
-              <a:t>20190407</a:t>
-            </a:r>
+              <a:rPr lang="en-US" altLang="zh-CN" dirty="0" smtClean="0"/>
+              <a:t>20190420</a:t>
+            </a:r>
+            <a:endParaRPr lang="en-US" altLang="zh-CN" dirty="0"/>
           </a:p>
           <a:p>
             <a:pPr algn="ctr"/>
@@ -18962,7 +18938,7 @@
           </a:ln>
           <a:extLst>
             <a:ext uri="{C572A759-6A51-4108-AA02-DFA0A04FC94B}">
-              <ma14:wrappingTextBoxFlag xmlns:ma14="http://schemas.microsoft.com/office/mac/drawingml/2011/main" xmlns="" val="1"/>
+              <ma14:wrappingTextBoxFlag xmlns="" xmlns:ma14="http://schemas.microsoft.com/office/mac/drawingml/2011/main" val="1"/>
             </a:ext>
           </a:extLst>
         </p:spPr>
@@ -19011,7 +18987,7 @@
           </a:ln>
           <a:extLst>
             <a:ext uri="{C572A759-6A51-4108-AA02-DFA0A04FC94B}">
-              <ma14:wrappingTextBoxFlag xmlns:ma14="http://schemas.microsoft.com/office/mac/drawingml/2011/main" xmlns="" val="1"/>
+              <ma14:wrappingTextBoxFlag xmlns="" xmlns:ma14="http://schemas.microsoft.com/office/mac/drawingml/2011/main" val="1"/>
             </a:ext>
           </a:extLst>
         </p:spPr>
@@ -19496,6 +19472,36 @@
           </a:prstGeom>
         </p:spPr>
       </p:pic>
+      <p:pic>
+        <p:nvPicPr>
+          <p:cNvPr id="2" name="图片 1"/>
+          <p:cNvPicPr>
+            <a:picLocks noChangeAspect="1"/>
+          </p:cNvPicPr>
+          <p:nvPr/>
+        </p:nvPicPr>
+        <p:blipFill>
+          <a:blip r:embed="rId3">
+            <a:extLst>
+              <a:ext uri="{28A0092B-C50C-407E-A947-70E740481C1C}">
+                <a14:useLocalDpi xmlns:a14="http://schemas.microsoft.com/office/drawing/2010/main" val="0"/>
+              </a:ext>
+            </a:extLst>
+          </a:blip>
+          <a:stretch>
+            <a:fillRect/>
+          </a:stretch>
+        </p:blipFill>
+        <p:spPr>
+          <a:xfrm>
+            <a:off x="1751994" y="1576129"/>
+            <a:ext cx="8688012" cy="3705742"/>
+          </a:xfrm>
+          <a:prstGeom prst="rect">
+            <a:avLst/>
+          </a:prstGeom>
+        </p:spPr>
+      </p:pic>
     </p:spTree>
     <p:extLst>
       <p:ext uri="{BB962C8B-B14F-4D97-AF65-F5344CB8AC3E}">
@@ -19756,7 +19762,7 @@
           </a:ln>
           <a:extLst>
             <a:ext uri="{C572A759-6A51-4108-AA02-DFA0A04FC94B}">
-              <ma14:wrappingTextBoxFlag xmlns:ma14="http://schemas.microsoft.com/office/mac/drawingml/2011/main" xmlns="" val="1"/>
+              <ma14:wrappingTextBoxFlag xmlns="" xmlns:ma14="http://schemas.microsoft.com/office/mac/drawingml/2011/main" val="1"/>
             </a:ext>
           </a:extLst>
         </p:spPr>
@@ -19805,7 +19811,7 @@
           </a:ln>
           <a:extLst>
             <a:ext uri="{C572A759-6A51-4108-AA02-DFA0A04FC94B}">
-              <ma14:wrappingTextBoxFlag xmlns:ma14="http://schemas.microsoft.com/office/mac/drawingml/2011/main" xmlns="" val="1"/>
+              <ma14:wrappingTextBoxFlag xmlns="" xmlns:ma14="http://schemas.microsoft.com/office/mac/drawingml/2011/main" val="1"/>
             </a:ext>
           </a:extLst>
         </p:spPr>
@@ -20269,7 +20275,7 @@
           <p:nvPr/>
         </p:nvPicPr>
         <p:blipFill>
-          <a:blip r:embed="rId2" cstate="print">
+          <a:blip r:embed="rId3" cstate="print">
             <a:extLst>
               <a:ext uri="{28A0092B-C50C-407E-A947-70E740481C1C}">
                 <a14:useLocalDpi xmlns:a14="http://schemas.microsoft.com/office/drawing/2010/main" val="0"/>
@@ -20290,6 +20296,63 @@
           </a:prstGeom>
         </p:spPr>
       </p:pic>
+      <p:graphicFrame>
+        <p:nvGraphicFramePr>
+          <p:cNvPr id="4" name="对象 3"/>
+          <p:cNvGraphicFramePr>
+            <a:graphicFrameLocks noChangeAspect="1"/>
+          </p:cNvGraphicFramePr>
+          <p:nvPr>
+            <p:extLst>
+              <p:ext uri="{D42A27DB-BD31-4B8C-83A1-F6EECF244321}">
+                <p14:modId xmlns:p14="http://schemas.microsoft.com/office/powerpoint/2010/main" val="4060893394"/>
+              </p:ext>
+            </p:extLst>
+          </p:nvPr>
+        </p:nvGraphicFramePr>
+        <p:xfrm>
+          <a:off x="1641475" y="1355725"/>
+          <a:ext cx="8861425" cy="3975100"/>
+        </p:xfrm>
+        <a:graphic>
+          <a:graphicData uri="http://schemas.openxmlformats.org/presentationml/2006/ole">
+            <mc:AlternateContent xmlns:mc="http://schemas.openxmlformats.org/markup-compatibility/2006">
+              <mc:Choice xmlns:v="urn:schemas-microsoft-com:vml" Requires="v">
+                <p:oleObj spid="_x0000_s19464" name="工作表" r:id="rId4" imgW="7286657" imgH="3266939" progId="Excel.Sheet.12">
+                  <p:link updateAutomatic="1"/>
+                </p:oleObj>
+              </mc:Choice>
+              <mc:Fallback>
+                <p:oleObj name="工作表" r:id="rId4" imgW="7286657" imgH="3266939" progId="Excel.Sheet.12">
+                  <p:link updateAutomatic="1"/>
+                  <p:pic>
+                    <p:nvPicPr>
+                      <p:cNvPr id="0" name=""/>
+                      <p:cNvPicPr/>
+                      <p:nvPr/>
+                    </p:nvPicPr>
+                    <p:blipFill>
+                      <a:blip r:embed="rId5"/>
+                      <a:stretch>
+                        <a:fillRect/>
+                      </a:stretch>
+                    </p:blipFill>
+                    <p:spPr>
+                      <a:xfrm>
+                        <a:off x="1641475" y="1355725"/>
+                        <a:ext cx="8861425" cy="3975100"/>
+                      </a:xfrm>
+                      <a:prstGeom prst="rect">
+                        <a:avLst/>
+                      </a:prstGeom>
+                    </p:spPr>
+                  </p:pic>
+                </p:oleObj>
+              </mc:Fallback>
+            </mc:AlternateContent>
+          </a:graphicData>
+        </a:graphic>
+      </p:graphicFrame>
     </p:spTree>
     <p:extLst>
       <p:ext uri="{BB962C8B-B14F-4D97-AF65-F5344CB8AC3E}">
@@ -20462,7 +20525,7 @@
           </a:ln>
           <a:extLst>
             <a:ext uri="{C572A759-6A51-4108-AA02-DFA0A04FC94B}">
-              <ma14:wrappingTextBoxFlag xmlns:ma14="http://schemas.microsoft.com/office/mac/drawingml/2011/main" xmlns="" val="1"/>
+              <ma14:wrappingTextBoxFlag xmlns="" xmlns:ma14="http://schemas.microsoft.com/office/mac/drawingml/2011/main" val="1"/>
             </a:ext>
           </a:extLst>
         </p:spPr>
@@ -20630,7 +20693,7 @@
           </a:ln>
           <a:extLst>
             <a:ext uri="{C572A759-6A51-4108-AA02-DFA0A04FC94B}">
-              <ma14:wrappingTextBoxFlag xmlns:ma14="http://schemas.microsoft.com/office/mac/drawingml/2011/main" xmlns="" val="1"/>
+              <ma14:wrappingTextBoxFlag xmlns="" xmlns:ma14="http://schemas.microsoft.com/office/mac/drawingml/2011/main" val="1"/>
             </a:ext>
           </a:extLst>
         </p:spPr>
@@ -20689,7 +20752,7 @@
           </a:ln>
           <a:extLst>
             <a:ext uri="{C572A759-6A51-4108-AA02-DFA0A04FC94B}">
-              <ma14:wrappingTextBoxFlag xmlns:ma14="http://schemas.microsoft.com/office/mac/drawingml/2011/main" xmlns="" val="1"/>
+              <ma14:wrappingTextBoxFlag xmlns="" xmlns:ma14="http://schemas.microsoft.com/office/mac/drawingml/2011/main" val="1"/>
             </a:ext>
           </a:extLst>
         </p:spPr>
@@ -20764,7 +20827,7 @@
         <p15:prstTrans prst="pageCurlDouble"/>
       </p:transition>
     </mc:Choice>
-    <mc:Choice xmlns:p14="http://schemas.microsoft.com/office/powerpoint/2010/main" xmlns="" Requires="p14">
+    <mc:Choice xmlns="" xmlns:p14="http://schemas.microsoft.com/office/powerpoint/2010/main" Requires="p14">
       <p:transition spd="slow" advClick="1" p14:dur="1200">
         <p14:prism dir="d"/>
       </p:transition>
@@ -21551,7 +21614,7 @@
           </a:ln>
           <a:extLst>
             <a:ext uri="{C572A759-6A51-4108-AA02-DFA0A04FC94B}">
-              <ma14:wrappingTextBoxFlag xmlns:ma14="http://schemas.microsoft.com/office/mac/drawingml/2011/main" xmlns="" val="1"/>
+              <ma14:wrappingTextBoxFlag xmlns="" xmlns:ma14="http://schemas.microsoft.com/office/mac/drawingml/2011/main" val="1"/>
             </a:ext>
           </a:extLst>
         </p:spPr>
@@ -21634,7 +21697,7 @@
           </a:ln>
           <a:extLst>
             <a:ext uri="{C572A759-6A51-4108-AA02-DFA0A04FC94B}">
-              <ma14:wrappingTextBoxFlag xmlns:ma14="http://schemas.microsoft.com/office/mac/drawingml/2011/main" xmlns="" val="1"/>
+              <ma14:wrappingTextBoxFlag xmlns="" xmlns:ma14="http://schemas.microsoft.com/office/mac/drawingml/2011/main" val="1"/>
             </a:ext>
           </a:extLst>
         </p:spPr>
@@ -22336,7 +22399,7 @@
           </a:ln>
           <a:extLst>
             <a:ext uri="{C572A759-6A51-4108-AA02-DFA0A04FC94B}">
-              <ma14:wrappingTextBoxFlag xmlns:ma14="http://schemas.microsoft.com/office/mac/drawingml/2011/main" xmlns="" val="1"/>
+              <ma14:wrappingTextBoxFlag xmlns="" xmlns:ma14="http://schemas.microsoft.com/office/mac/drawingml/2011/main" val="1"/>
             </a:ext>
           </a:extLst>
         </p:spPr>
@@ -22494,7 +22557,7 @@
           </a:ln>
           <a:extLst>
             <a:ext uri="{C572A759-6A51-4108-AA02-DFA0A04FC94B}">
-              <ma14:wrappingTextBoxFlag xmlns:ma14="http://schemas.microsoft.com/office/mac/drawingml/2011/main" xmlns="" val="1"/>
+              <ma14:wrappingTextBoxFlag xmlns="" xmlns:ma14="http://schemas.microsoft.com/office/mac/drawingml/2011/main" val="1"/>
             </a:ext>
           </a:extLst>
         </p:spPr>
@@ -23221,7 +23284,7 @@
           </a:ln>
           <a:extLst>
             <a:ext uri="{C572A759-6A51-4108-AA02-DFA0A04FC94B}">
-              <ma14:wrappingTextBoxFlag xmlns:ma14="http://schemas.microsoft.com/office/mac/drawingml/2011/main" xmlns="" val="1"/>
+              <ma14:wrappingTextBoxFlag xmlns="" xmlns:ma14="http://schemas.microsoft.com/office/mac/drawingml/2011/main" val="1"/>
             </a:ext>
           </a:extLst>
         </p:spPr>
@@ -23429,7 +23492,7 @@
           </a:ln>
           <a:extLst>
             <a:ext uri="{C572A759-6A51-4108-AA02-DFA0A04FC94B}">
-              <ma14:wrappingTextBoxFlag xmlns:ma14="http://schemas.microsoft.com/office/mac/drawingml/2011/main" xmlns="" val="1"/>
+              <ma14:wrappingTextBoxFlag xmlns="" xmlns:ma14="http://schemas.microsoft.com/office/mac/drawingml/2011/main" val="1"/>
             </a:ext>
           </a:extLst>
         </p:spPr>
@@ -24130,7 +24193,7 @@
           </a:ln>
           <a:extLst>
             <a:ext uri="{C572A759-6A51-4108-AA02-DFA0A04FC94B}">
-              <ma14:wrappingTextBoxFlag xmlns:ma14="http://schemas.microsoft.com/office/mac/drawingml/2011/main" xmlns="" val="1"/>
+              <ma14:wrappingTextBoxFlag xmlns="" xmlns:ma14="http://schemas.microsoft.com/office/mac/drawingml/2011/main" val="1"/>
             </a:ext>
           </a:extLst>
         </p:spPr>
@@ -24178,7 +24241,7 @@
           </a:ln>
           <a:extLst>
             <a:ext uri="{C572A759-6A51-4108-AA02-DFA0A04FC94B}">
-              <ma14:wrappingTextBoxFlag xmlns:ma14="http://schemas.microsoft.com/office/mac/drawingml/2011/main" xmlns="" val="1"/>
+              <ma14:wrappingTextBoxFlag xmlns="" xmlns:ma14="http://schemas.microsoft.com/office/mac/drawingml/2011/main" val="1"/>
             </a:ext>
           </a:extLst>
         </p:spPr>
@@ -24751,7 +24814,7 @@
           </a:ln>
           <a:extLst>
             <a:ext uri="{C572A759-6A51-4108-AA02-DFA0A04FC94B}">
-              <ma14:wrappingTextBoxFlag xmlns:ma14="http://schemas.microsoft.com/office/mac/drawingml/2011/main" xmlns="" val="1"/>
+              <ma14:wrappingTextBoxFlag xmlns="" xmlns:ma14="http://schemas.microsoft.com/office/mac/drawingml/2011/main" val="1"/>
             </a:ext>
           </a:extLst>
         </p:spPr>
@@ -24841,7 +24904,7 @@
           </a:ln>
           <a:extLst>
             <a:ext uri="{C572A759-6A51-4108-AA02-DFA0A04FC94B}">
-              <ma14:wrappingTextBoxFlag xmlns:ma14="http://schemas.microsoft.com/office/mac/drawingml/2011/main" xmlns="" val="1"/>
+              <ma14:wrappingTextBoxFlag xmlns="" xmlns:ma14="http://schemas.microsoft.com/office/mac/drawingml/2011/main" val="1"/>
             </a:ext>
           </a:extLst>
         </p:spPr>
@@ -25786,7 +25849,7 @@
         <p15:prstTrans prst="pageCurlDouble"/>
       </p:transition>
     </mc:Choice>
-    <mc:Choice xmlns:p14="http://schemas.microsoft.com/office/powerpoint/2010/main" xmlns="" Requires="p14">
+    <mc:Choice xmlns="" xmlns:p14="http://schemas.microsoft.com/office/powerpoint/2010/main" Requires="p14">
       <p:transition spd="slow" advClick="0" advTm="4000" p14:dur="1200">
         <p14:prism dir="l"/>
       </p:transition>
@@ -26518,7 +26581,7 @@
           </a:ln>
           <a:extLst>
             <a:ext uri="{C572A759-6A51-4108-AA02-DFA0A04FC94B}">
-              <ma14:wrappingTextBoxFlag xmlns:ma14="http://schemas.microsoft.com/office/mac/drawingml/2011/main" xmlns="" val="1"/>
+              <ma14:wrappingTextBoxFlag xmlns="" xmlns:ma14="http://schemas.microsoft.com/office/mac/drawingml/2011/main" val="1"/>
             </a:ext>
           </a:extLst>
         </p:spPr>
@@ -26708,7 +26771,7 @@
           </a:ln>
           <a:extLst>
             <a:ext uri="{C572A759-6A51-4108-AA02-DFA0A04FC94B}">
-              <ma14:wrappingTextBoxFlag xmlns:ma14="http://schemas.microsoft.com/office/mac/drawingml/2011/main" xmlns="" val="1"/>
+              <ma14:wrappingTextBoxFlag xmlns="" xmlns:ma14="http://schemas.microsoft.com/office/mac/drawingml/2011/main" val="1"/>
             </a:ext>
           </a:extLst>
         </p:spPr>
@@ -27994,7 +28057,7 @@
           </a:ln>
           <a:extLst>
             <a:ext uri="{C572A759-6A51-4108-AA02-DFA0A04FC94B}">
-              <ma14:wrappingTextBoxFlag xmlns:ma14="http://schemas.microsoft.com/office/mac/drawingml/2011/main" xmlns="" val="1"/>
+              <ma14:wrappingTextBoxFlag xmlns="" xmlns:ma14="http://schemas.microsoft.com/office/mac/drawingml/2011/main" val="1"/>
             </a:ext>
           </a:extLst>
         </p:spPr>
